--- a/QueAns/ReactQusAns.pptx
+++ b/QueAns/ReactQusAns.pptx
@@ -342,7 +342,7 @@
           <a:p>
             <a:fld id="{82EDB8D0-98ED-4B86-9D5F-E61ADC70144D}" type="datetimeFigureOut">
               <a:rPr lang="en-US" smtClean="0"/>
-              <a:t>1/23/2024</a:t>
+              <a:t>1/24/2024</a:t>
             </a:fld>
             <a:endParaRPr lang="en-US" dirty="0"/>
           </a:p>
@@ -550,7 +550,7 @@
           <a:p>
             <a:fld id="{82EDB8D0-98ED-4B86-9D5F-E61ADC70144D}" type="datetimeFigureOut">
               <a:rPr lang="en-US" smtClean="0"/>
-              <a:t>1/23/2024</a:t>
+              <a:t>1/24/2024</a:t>
             </a:fld>
             <a:endParaRPr lang="en-US"/>
           </a:p>
@@ -806,7 +806,7 @@
           <a:p>
             <a:fld id="{82EDB8D0-98ED-4B86-9D5F-E61ADC70144D}" type="datetimeFigureOut">
               <a:rPr lang="en-US" smtClean="0"/>
-              <a:t>1/23/2024</a:t>
+              <a:t>1/24/2024</a:t>
             </a:fld>
             <a:endParaRPr lang="en-US"/>
           </a:p>
@@ -976,7 +976,7 @@
           <a:p>
             <a:fld id="{82EDB8D0-98ED-4B86-9D5F-E61ADC70144D}" type="datetimeFigureOut">
               <a:rPr lang="en-US" smtClean="0"/>
-              <a:t>1/23/2024</a:t>
+              <a:t>1/24/2024</a:t>
             </a:fld>
             <a:endParaRPr lang="en-US" dirty="0"/>
           </a:p>
@@ -1319,7 +1319,7 @@
           <a:p>
             <a:fld id="{82EDB8D0-98ED-4B86-9D5F-E61ADC70144D}" type="datetimeFigureOut">
               <a:rPr lang="en-US" smtClean="0"/>
-              <a:t>1/23/2024</a:t>
+              <a:t>1/24/2024</a:t>
             </a:fld>
             <a:endParaRPr lang="en-US"/>
           </a:p>
@@ -1594,7 +1594,7 @@
           <a:p>
             <a:fld id="{82EDB8D0-98ED-4B86-9D5F-E61ADC70144D}" type="datetimeFigureOut">
               <a:rPr lang="en-US" smtClean="0"/>
-              <a:t>1/23/2024</a:t>
+              <a:t>1/24/2024</a:t>
             </a:fld>
             <a:endParaRPr lang="en-US"/>
           </a:p>
@@ -1973,7 +1973,7 @@
           <a:p>
             <a:fld id="{82EDB8D0-98ED-4B86-9D5F-E61ADC70144D}" type="datetimeFigureOut">
               <a:rPr lang="en-US" smtClean="0"/>
-              <a:t>1/23/2024</a:t>
+              <a:t>1/24/2024</a:t>
             </a:fld>
             <a:endParaRPr lang="en-US"/>
           </a:p>
@@ -2091,7 +2091,7 @@
           <a:p>
             <a:fld id="{82EDB8D0-98ED-4B86-9D5F-E61ADC70144D}" type="datetimeFigureOut">
               <a:rPr lang="en-US" smtClean="0"/>
-              <a:t>1/23/2024</a:t>
+              <a:t>1/24/2024</a:t>
             </a:fld>
             <a:endParaRPr lang="en-US"/>
           </a:p>
@@ -2262,7 +2262,7 @@
           <a:p>
             <a:fld id="{82EDB8D0-98ED-4B86-9D5F-E61ADC70144D}" type="datetimeFigureOut">
               <a:rPr lang="en-US" smtClean="0"/>
-              <a:t>1/23/2024</a:t>
+              <a:t>1/24/2024</a:t>
             </a:fld>
             <a:endParaRPr lang="en-US"/>
           </a:p>
@@ -2616,7 +2616,7 @@
           <a:p>
             <a:fld id="{82EDB8D0-98ED-4B86-9D5F-E61ADC70144D}" type="datetimeFigureOut">
               <a:rPr lang="en-US" smtClean="0"/>
-              <a:t>1/23/2024</a:t>
+              <a:t>1/24/2024</a:t>
             </a:fld>
             <a:endParaRPr lang="en-US"/>
           </a:p>
@@ -2993,7 +2993,7 @@
           <a:p>
             <a:fld id="{82EDB8D0-98ED-4B86-9D5F-E61ADC70144D}" type="datetimeFigureOut">
               <a:rPr lang="en-US" smtClean="0"/>
-              <a:t>1/23/2024</a:t>
+              <a:t>1/24/2024</a:t>
             </a:fld>
             <a:endParaRPr lang="en-US"/>
           </a:p>
@@ -3281,7 +3281,7 @@
             <a:fld id="{82EDB8D0-98ED-4B86-9D5F-E61ADC70144D}" type="datetimeFigureOut">
               <a:rPr lang="en-US" smtClean="0"/>
               <a:pPr/>
-              <a:t>1/23/2024</a:t>
+              <a:t>1/24/2024</a:t>
             </a:fld>
             <a:endParaRPr lang="en-US" dirty="0"/>
           </a:p>
@@ -5984,7 +5984,7 @@
                 <a:latin typeface="Google Sans"/>
                 <a:cs typeface="Arial" panose="020B0604020202020204" pitchFamily="34" charset="0"/>
               </a:rPr>
-              <a:t> How many types of faze in react?</a:t>
+              <a:t> What is react fragment?</a:t>
             </a:r>
           </a:p>
           <a:p>
@@ -5996,24 +5996,33 @@
               <a:t>Ans: </a:t>
             </a:r>
             <a:r>
-              <a:rPr lang="en-US" sz="1400" dirty="0">
+              <a:rPr lang="en-US" sz="1400" b="0" i="0" dirty="0">
+                <a:solidFill>
+                  <a:srgbClr val="202124"/>
+                </a:solidFill>
+                <a:effectLst/>
+                <a:latin typeface="Google Sans"/>
+              </a:rPr>
+              <a:t>React Fragment is </a:t>
+            </a:r>
+            <a:r>
+              <a:rPr lang="en-US" sz="1400" b="0" i="0" dirty="0">
                 <a:solidFill>
                   <a:srgbClr val="040C28"/>
                 </a:solidFill>
-                <a:latin typeface="Google Sans"/>
-                <a:cs typeface="Arial" panose="020B0604020202020204" pitchFamily="34" charset="0"/>
-              </a:rPr>
-              <a:t>There is a three types of faze in react i) Mounting, ii) Updating, iii) Unmounting</a:t>
-            </a:r>
-            <a:r>
-              <a:rPr lang="en-US" sz="1400" b="0" i="0" dirty="0">
+                <a:effectLst/>
+                <a:latin typeface="Google Sans"/>
+              </a:rPr>
+              <a:t>a feature in React that allows you to return multiple elements from a React component by allowing you to group a list of children without adding extra nodes to the DOM. React fragment means</a:t>
+            </a:r>
+            <a:r>
+              <a:rPr lang="en-US" sz="1400" dirty="0">
                 <a:solidFill>
                   <a:srgbClr val="040C28"/>
                 </a:solidFill>
-                <a:effectLst/>
-                <a:latin typeface="Google Sans"/>
-              </a:rPr>
-              <a:t>.</a:t>
+                <a:latin typeface="Google Sans"/>
+              </a:rPr>
+              <a:t> (&lt;&gt;&lt;/&gt;) empty tag</a:t>
             </a:r>
             <a:endParaRPr lang="en-IN" sz="1600" b="1" dirty="0">
               <a:latin typeface="Google Sans"/>

--- a/QueAns/ReactQusAns.pptx
+++ b/QueAns/ReactQusAns.pptx
@@ -10,6 +10,7 @@
     <p:sldId id="260" r:id="rId4"/>
     <p:sldId id="261" r:id="rId5"/>
     <p:sldId id="262" r:id="rId6"/>
+    <p:sldId id="263" r:id="rId7"/>
   </p:sldIdLst>
   <p:sldSz cx="12192000" cy="6858000"/>
   <p:notesSz cx="6858000" cy="9144000"/>
@@ -342,7 +343,7 @@
           <a:p>
             <a:fld id="{82EDB8D0-98ED-4B86-9D5F-E61ADC70144D}" type="datetimeFigureOut">
               <a:rPr lang="en-US" smtClean="0"/>
-              <a:t>1/24/2024</a:t>
+              <a:t>1/31/2024</a:t>
             </a:fld>
             <a:endParaRPr lang="en-US" dirty="0"/>
           </a:p>
@@ -550,7 +551,7 @@
           <a:p>
             <a:fld id="{82EDB8D0-98ED-4B86-9D5F-E61ADC70144D}" type="datetimeFigureOut">
               <a:rPr lang="en-US" smtClean="0"/>
-              <a:t>1/24/2024</a:t>
+              <a:t>1/31/2024</a:t>
             </a:fld>
             <a:endParaRPr lang="en-US"/>
           </a:p>
@@ -806,7 +807,7 @@
           <a:p>
             <a:fld id="{82EDB8D0-98ED-4B86-9D5F-E61ADC70144D}" type="datetimeFigureOut">
               <a:rPr lang="en-US" smtClean="0"/>
-              <a:t>1/24/2024</a:t>
+              <a:t>1/31/2024</a:t>
             </a:fld>
             <a:endParaRPr lang="en-US"/>
           </a:p>
@@ -976,7 +977,7 @@
           <a:p>
             <a:fld id="{82EDB8D0-98ED-4B86-9D5F-E61ADC70144D}" type="datetimeFigureOut">
               <a:rPr lang="en-US" smtClean="0"/>
-              <a:t>1/24/2024</a:t>
+              <a:t>1/31/2024</a:t>
             </a:fld>
             <a:endParaRPr lang="en-US" dirty="0"/>
           </a:p>
@@ -1319,7 +1320,7 @@
           <a:p>
             <a:fld id="{82EDB8D0-98ED-4B86-9D5F-E61ADC70144D}" type="datetimeFigureOut">
               <a:rPr lang="en-US" smtClean="0"/>
-              <a:t>1/24/2024</a:t>
+              <a:t>1/31/2024</a:t>
             </a:fld>
             <a:endParaRPr lang="en-US"/>
           </a:p>
@@ -1594,7 +1595,7 @@
           <a:p>
             <a:fld id="{82EDB8D0-98ED-4B86-9D5F-E61ADC70144D}" type="datetimeFigureOut">
               <a:rPr lang="en-US" smtClean="0"/>
-              <a:t>1/24/2024</a:t>
+              <a:t>1/31/2024</a:t>
             </a:fld>
             <a:endParaRPr lang="en-US"/>
           </a:p>
@@ -1973,7 +1974,7 @@
           <a:p>
             <a:fld id="{82EDB8D0-98ED-4B86-9D5F-E61ADC70144D}" type="datetimeFigureOut">
               <a:rPr lang="en-US" smtClean="0"/>
-              <a:t>1/24/2024</a:t>
+              <a:t>1/31/2024</a:t>
             </a:fld>
             <a:endParaRPr lang="en-US"/>
           </a:p>
@@ -2091,7 +2092,7 @@
           <a:p>
             <a:fld id="{82EDB8D0-98ED-4B86-9D5F-E61ADC70144D}" type="datetimeFigureOut">
               <a:rPr lang="en-US" smtClean="0"/>
-              <a:t>1/24/2024</a:t>
+              <a:t>1/31/2024</a:t>
             </a:fld>
             <a:endParaRPr lang="en-US"/>
           </a:p>
@@ -2262,7 +2263,7 @@
           <a:p>
             <a:fld id="{82EDB8D0-98ED-4B86-9D5F-E61ADC70144D}" type="datetimeFigureOut">
               <a:rPr lang="en-US" smtClean="0"/>
-              <a:t>1/24/2024</a:t>
+              <a:t>1/31/2024</a:t>
             </a:fld>
             <a:endParaRPr lang="en-US"/>
           </a:p>
@@ -2616,7 +2617,7 @@
           <a:p>
             <a:fld id="{82EDB8D0-98ED-4B86-9D5F-E61ADC70144D}" type="datetimeFigureOut">
               <a:rPr lang="en-US" smtClean="0"/>
-              <a:t>1/24/2024</a:t>
+              <a:t>1/31/2024</a:t>
             </a:fld>
             <a:endParaRPr lang="en-US"/>
           </a:p>
@@ -2993,7 +2994,7 @@
           <a:p>
             <a:fld id="{82EDB8D0-98ED-4B86-9D5F-E61ADC70144D}" type="datetimeFigureOut">
               <a:rPr lang="en-US" smtClean="0"/>
-              <a:t>1/24/2024</a:t>
+              <a:t>1/31/2024</a:t>
             </a:fld>
             <a:endParaRPr lang="en-US"/>
           </a:p>
@@ -3281,7 +3282,7 @@
             <a:fld id="{82EDB8D0-98ED-4B86-9D5F-E61ADC70144D}" type="datetimeFigureOut">
               <a:rPr lang="en-US" smtClean="0"/>
               <a:pPr/>
-              <a:t>1/24/2024</a:t>
+              <a:t>1/31/2024</a:t>
             </a:fld>
             <a:endParaRPr lang="en-US" dirty="0"/>
           </a:p>
@@ -3996,7 +3997,7 @@
         <p:spPr>
           <a:xfrm>
             <a:off x="254493" y="390618"/>
-            <a:ext cx="11540971" cy="6955750"/>
+            <a:ext cx="11819138" cy="6955750"/>
           </a:xfrm>
           <a:prstGeom prst="rect">
             <a:avLst/>
@@ -4535,7 +4536,7 @@
         <p:spPr>
           <a:xfrm>
             <a:off x="254493" y="390618"/>
-            <a:ext cx="11540971" cy="7294305"/>
+            <a:ext cx="11836893" cy="7294305"/>
           </a:xfrm>
           <a:prstGeom prst="rect">
             <a:avLst/>
@@ -5148,7 +5149,7 @@
         <p:spPr>
           <a:xfrm>
             <a:off x="254493" y="390618"/>
-            <a:ext cx="11540971" cy="7078861"/>
+            <a:ext cx="11756994" cy="7078861"/>
           </a:xfrm>
           <a:prstGeom prst="rect">
             <a:avLst/>
@@ -5703,7 +5704,7 @@
         <p:spPr>
           <a:xfrm>
             <a:off x="254493" y="390618"/>
-            <a:ext cx="11540971" cy="7078861"/>
+            <a:ext cx="11792505" cy="7417415"/>
           </a:xfrm>
           <a:prstGeom prst="rect">
             <a:avLst/>
@@ -5716,49 +5717,90 @@
           </a:bodyPr>
           <a:lstStyle/>
           <a:p>
-            <a:r>
-              <a:rPr lang="en-US" sz="1400" b="1" dirty="0">
-                <a:latin typeface="Google Sans"/>
+            <a:pPr marL="0" algn="l" rtl="0" eaLnBrk="1" latinLnBrk="0" hangingPunct="1">
+              <a:spcBef>
+                <a:spcPts val="0"/>
+              </a:spcBef>
+              <a:spcAft>
+                <a:spcPts val="0"/>
+              </a:spcAft>
+            </a:pPr>
+            <a:r>
+              <a:rPr lang="en-US" sz="1400" b="1" kern="1200" dirty="0">
+                <a:solidFill>
+                  <a:srgbClr val="000000"/>
+                </a:solidFill>
+                <a:effectLst/>
+                <a:latin typeface="Google Sans"/>
+                <a:ea typeface="+mn-ea"/>
                 <a:cs typeface="Arial" panose="020B0604020202020204" pitchFamily="34" charset="0"/>
               </a:rPr>
               <a:t>Que 28:</a:t>
             </a:r>
             <a:r>
-              <a:rPr lang="en-US" sz="1400" dirty="0">
-                <a:latin typeface="Google Sans"/>
+              <a:rPr lang="en-US" sz="1400" kern="1200" dirty="0">
+                <a:solidFill>
+                  <a:srgbClr val="000000"/>
+                </a:solidFill>
+                <a:effectLst/>
+                <a:latin typeface="Google Sans"/>
+                <a:ea typeface="+mn-ea"/>
                 <a:cs typeface="Arial" panose="020B0604020202020204" pitchFamily="34" charset="0"/>
               </a:rPr>
               <a:t> What is hooks in react js?</a:t>
             </a:r>
-          </a:p>
-          <a:p>
-            <a:r>
-              <a:rPr lang="en-US" sz="1400" b="1" dirty="0">
-                <a:latin typeface="Google Sans"/>
+            <a:endParaRPr lang="en-IN" sz="1400" dirty="0">
+              <a:effectLst/>
+            </a:endParaRPr>
+          </a:p>
+          <a:p>
+            <a:pPr marL="0" algn="l" rtl="0" eaLnBrk="1" latinLnBrk="0" hangingPunct="1">
+              <a:spcBef>
+                <a:spcPts val="0"/>
+              </a:spcBef>
+              <a:spcAft>
+                <a:spcPts val="0"/>
+              </a:spcAft>
+            </a:pPr>
+            <a:r>
+              <a:rPr lang="en-US" sz="1400" b="1" kern="1200" dirty="0">
+                <a:solidFill>
+                  <a:srgbClr val="000000"/>
+                </a:solidFill>
+                <a:effectLst/>
+                <a:latin typeface="Google Sans"/>
+                <a:ea typeface="+mn-ea"/>
                 <a:cs typeface="Arial" panose="020B0604020202020204" pitchFamily="34" charset="0"/>
               </a:rPr>
               <a:t>Ans: </a:t>
             </a:r>
             <a:r>
-              <a:rPr lang="en-US" sz="1400" b="0" i="0" dirty="0">
+              <a:rPr lang="en-US" sz="1400" b="0" i="0" kern="1200" dirty="0">
                 <a:solidFill>
                   <a:srgbClr val="202124"/>
                 </a:solidFill>
                 <a:effectLst/>
                 <a:latin typeface="Google Sans"/>
+                <a:ea typeface="+mn-ea"/>
+                <a:cs typeface="+mn-cs"/>
               </a:rPr>
               <a:t>Hooks are </a:t>
             </a:r>
             <a:r>
-              <a:rPr lang="en-US" sz="1400" b="0" i="0" dirty="0">
+              <a:rPr lang="en-US" sz="1400" b="0" i="0" kern="1200" dirty="0">
                 <a:solidFill>
                   <a:srgbClr val="040C28"/>
                 </a:solidFill>
                 <a:effectLst/>
                 <a:latin typeface="Google Sans"/>
+                <a:ea typeface="+mn-ea"/>
+                <a:cs typeface="+mn-cs"/>
               </a:rPr>
               <a:t>functions that let you “hook into” React state and lifecycle features from function components.</a:t>
             </a:r>
+            <a:endParaRPr lang="en-IN" sz="1400" dirty="0">
+              <a:effectLst/>
+            </a:endParaRPr>
           </a:p>
           <a:p>
             <a:endParaRPr lang="en-US" sz="1400" dirty="0">
@@ -6048,7 +6090,7 @@
                 <a:latin typeface="Google Sans"/>
                 <a:cs typeface="Arial" panose="020B0604020202020204" pitchFamily="34" charset="0"/>
               </a:rPr>
-              <a:t> Constructor is a life cycle method?</a:t>
+              <a:t> What is pure component in react?</a:t>
             </a:r>
           </a:p>
           <a:p>
@@ -6060,24 +6102,24 @@
               <a:t>Ans: </a:t>
             </a:r>
             <a:r>
-              <a:rPr lang="en-US" sz="1400" dirty="0">
+              <a:rPr lang="en-US" sz="1400" b="0" i="0" dirty="0">
+                <a:solidFill>
+                  <a:srgbClr val="202124"/>
+                </a:solidFill>
+                <a:effectLst/>
+                <a:latin typeface="Google Sans"/>
+              </a:rPr>
+              <a:t>A React component is considered pure </a:t>
+            </a:r>
+            <a:r>
+              <a:rPr lang="en-US" sz="1400" b="0" i="0" dirty="0">
                 <a:solidFill>
                   <a:srgbClr val="040C28"/>
                 </a:solidFill>
-                <a:latin typeface="Google Sans"/>
-                <a:cs typeface="Arial" panose="020B0604020202020204" pitchFamily="34" charset="0"/>
-              </a:rPr>
-              <a:t>Yes, Constructor is a life cycle method</a:t>
-            </a:r>
-            <a:r>
-              <a:rPr lang="en-US" sz="1400" b="0" i="0" dirty="0">
-                <a:solidFill>
-                  <a:srgbClr val="040C28"/>
-                </a:solidFill>
                 <a:effectLst/>
                 <a:latin typeface="Google Sans"/>
               </a:rPr>
-              <a:t>.</a:t>
+              <a:t>if it renders the same output for the same state and props then stop the components rendering.</a:t>
             </a:r>
             <a:endParaRPr lang="en-IN" sz="1400" b="1" dirty="0">
               <a:latin typeface="Google Sans"/>
@@ -6103,7 +6145,7 @@
                 <a:latin typeface="Google Sans"/>
                 <a:cs typeface="Arial" panose="020B0604020202020204" pitchFamily="34" charset="0"/>
               </a:rPr>
-              <a:t> What is constructor in react?</a:t>
+              <a:t> Why use useMemo hooks?</a:t>
             </a:r>
           </a:p>
           <a:p>
@@ -6122,7 +6164,7 @@
                 <a:effectLst/>
                 <a:latin typeface="Google Sans"/>
               </a:rPr>
-              <a:t>The constructor is </a:t>
+              <a:t>The React useMemo Hook </a:t>
             </a:r>
             <a:r>
               <a:rPr lang="en-US" sz="1400" b="0" i="0" dirty="0">
@@ -6132,7 +6174,7 @@
                 <a:effectLst/>
                 <a:latin typeface="Google Sans"/>
               </a:rPr>
-              <a:t>a method used to initialize an object's state in a class</a:t>
+              <a:t>returns a memorized value</a:t>
             </a:r>
             <a:r>
               <a:rPr lang="en-US" sz="1400" b="0" i="0" dirty="0">
@@ -6142,7 +6184,7 @@
                 <a:effectLst/>
                 <a:latin typeface="Google Sans"/>
               </a:rPr>
-              <a:t>.</a:t>
+              <a:t>. Think of memorization as caching a value so that it does not need to be recalculated. The useMemo Hook only runs when one of its dependencies update. This can improve performance..</a:t>
             </a:r>
             <a:endParaRPr lang="en-IN" sz="1600" b="1" dirty="0">
               <a:latin typeface="Google Sans"/>
@@ -6168,7 +6210,7 @@
                 <a:latin typeface="Google Sans"/>
                 <a:cs typeface="Arial" panose="020B0604020202020204" pitchFamily="34" charset="0"/>
               </a:rPr>
-              <a:t> What is the use of componen	tDidMount?</a:t>
+              <a:t> What is useRef hook in react?</a:t>
             </a:r>
           </a:p>
           <a:p>
@@ -6187,7 +6229,7 @@
                 <a:effectLst/>
                 <a:latin typeface="Google Sans"/>
               </a:rPr>
-              <a:t>Use at the tim</a:t>
+              <a:t>Use of the useRef </a:t>
             </a:r>
             <a:r>
               <a:rPr lang="en-US" sz="1400" dirty="0">
@@ -6196,7 +6238,7 @@
                 </a:solidFill>
                 <a:latin typeface="Google Sans"/>
               </a:rPr>
-              <a:t>e of API calling</a:t>
+              <a:t>hook is to access DOM element directly</a:t>
             </a:r>
             <a:r>
               <a:rPr lang="en-US" sz="1400" b="0" i="0" dirty="0">
@@ -6206,7 +6248,7 @@
                 <a:effectLst/>
                 <a:latin typeface="Google Sans"/>
               </a:rPr>
-              <a:t>.</a:t>
+              <a:t> .</a:t>
             </a:r>
             <a:endParaRPr lang="en-IN" sz="1400" b="1" dirty="0">
               <a:latin typeface="Arial" panose="020B0604020202020204" pitchFamily="34" charset="0"/>
@@ -6249,6 +6291,646 @@
     <p:extLst>
       <p:ext uri="{BB962C8B-B14F-4D97-AF65-F5344CB8AC3E}">
         <p14:creationId xmlns:p14="http://schemas.microsoft.com/office/powerpoint/2010/main" val="1273744460"/>
+      </p:ext>
+    </p:extLst>
+  </p:cSld>
+  <p:clrMapOvr>
+    <a:masterClrMapping/>
+  </p:clrMapOvr>
+</p:sld>
+</file>
+
+<file path=ppt/slides/slide6.xml><?xml version="1.0" encoding="utf-8"?>
+<p:sld xmlns:a="http://schemas.openxmlformats.org/drawingml/2006/main" xmlns:r="http://schemas.openxmlformats.org/officeDocument/2006/relationships" xmlns:p="http://schemas.openxmlformats.org/presentationml/2006/main">
+  <p:cSld>
+    <p:spTree>
+      <p:nvGrpSpPr>
+        <p:cNvPr id="1" name=""/>
+        <p:cNvGrpSpPr/>
+        <p:nvPr/>
+      </p:nvGrpSpPr>
+      <p:grpSpPr>
+        <a:xfrm>
+          <a:off x="0" y="0"/>
+          <a:ext cx="0" cy="0"/>
+          <a:chOff x="0" y="0"/>
+          <a:chExt cx="0" cy="0"/>
+        </a:xfrm>
+      </p:grpSpPr>
+      <p:sp>
+        <p:nvSpPr>
+          <p:cNvPr id="2" name="TextBox 1">
+            <a:extLst>
+              <a:ext uri="{FF2B5EF4-FFF2-40B4-BE49-F238E27FC236}">
+                <a16:creationId xmlns:a16="http://schemas.microsoft.com/office/drawing/2014/main" id="{0FBEB028-EF4C-580D-4D3F-8852E772F600}"/>
+              </a:ext>
+            </a:extLst>
+          </p:cNvPr>
+          <p:cNvSpPr txBox="1"/>
+          <p:nvPr/>
+        </p:nvSpPr>
+        <p:spPr>
+          <a:xfrm>
+            <a:off x="254493" y="390618"/>
+            <a:ext cx="11872404" cy="7417415"/>
+          </a:xfrm>
+          <a:prstGeom prst="rect">
+            <a:avLst/>
+          </a:prstGeom>
+          <a:noFill/>
+        </p:spPr>
+        <p:txBody>
+          <a:bodyPr wrap="square" rtlCol="0">
+            <a:spAutoFit/>
+          </a:bodyPr>
+          <a:lstStyle/>
+          <a:p>
+            <a:pPr marL="0" algn="l" rtl="0" eaLnBrk="1" latinLnBrk="0" hangingPunct="1">
+              <a:spcBef>
+                <a:spcPts val="0"/>
+              </a:spcBef>
+              <a:spcAft>
+                <a:spcPts val="0"/>
+              </a:spcAft>
+            </a:pPr>
+            <a:r>
+              <a:rPr lang="en-US" sz="1400" b="1" kern="1200" dirty="0">
+                <a:solidFill>
+                  <a:srgbClr val="000000"/>
+                </a:solidFill>
+                <a:effectLst/>
+                <a:latin typeface="Google Sans"/>
+                <a:ea typeface="+mn-ea"/>
+                <a:cs typeface="Arial" panose="020B0604020202020204" pitchFamily="34" charset="0"/>
+              </a:rPr>
+              <a:t>Que 37:</a:t>
+            </a:r>
+            <a:r>
+              <a:rPr lang="en-US" sz="1400" kern="1200" dirty="0">
+                <a:solidFill>
+                  <a:srgbClr val="000000"/>
+                </a:solidFill>
+                <a:effectLst/>
+                <a:latin typeface="Google Sans"/>
+                <a:ea typeface="+mn-ea"/>
+                <a:cs typeface="Arial" panose="020B0604020202020204" pitchFamily="34" charset="0"/>
+              </a:rPr>
+              <a:t> How to identify hooks in react?</a:t>
+            </a:r>
+            <a:endParaRPr lang="en-IN" sz="1400" dirty="0">
+              <a:effectLst/>
+            </a:endParaRPr>
+          </a:p>
+          <a:p>
+            <a:pPr marL="0" algn="l" rtl="0" eaLnBrk="1" latinLnBrk="0" hangingPunct="1">
+              <a:spcBef>
+                <a:spcPts val="0"/>
+              </a:spcBef>
+              <a:spcAft>
+                <a:spcPts val="0"/>
+              </a:spcAft>
+            </a:pPr>
+            <a:r>
+              <a:rPr lang="en-US" sz="1400" b="1" kern="1200" dirty="0">
+                <a:solidFill>
+                  <a:srgbClr val="000000"/>
+                </a:solidFill>
+                <a:effectLst/>
+                <a:latin typeface="Google Sans"/>
+                <a:ea typeface="+mn-ea"/>
+                <a:cs typeface="Arial" panose="020B0604020202020204" pitchFamily="34" charset="0"/>
+              </a:rPr>
+              <a:t>Ans: </a:t>
+            </a:r>
+            <a:r>
+              <a:rPr lang="en-US" sz="1400" b="0" i="0" kern="1200" dirty="0">
+                <a:solidFill>
+                  <a:srgbClr val="202124"/>
+                </a:solidFill>
+                <a:effectLst/>
+                <a:latin typeface="Google Sans"/>
+                <a:ea typeface="+mn-ea"/>
+                <a:cs typeface="+mn-cs"/>
+              </a:rPr>
+              <a:t>Hooks always be start in use word like useState</a:t>
+            </a:r>
+            <a:r>
+              <a:rPr lang="en-US" sz="1400" kern="1200" dirty="0">
+                <a:solidFill>
+                  <a:srgbClr val="202124"/>
+                </a:solidFill>
+                <a:effectLst/>
+                <a:latin typeface="Google Sans"/>
+                <a:ea typeface="+mn-ea"/>
+                <a:cs typeface="+mn-cs"/>
+              </a:rPr>
+              <a:t>, useEffect and like this</a:t>
+            </a:r>
+            <a:r>
+              <a:rPr lang="en-US" sz="1400" b="0" i="0" kern="1200" dirty="0">
+                <a:solidFill>
+                  <a:srgbClr val="040C28"/>
+                </a:solidFill>
+                <a:effectLst/>
+                <a:latin typeface="Google Sans"/>
+                <a:ea typeface="+mn-ea"/>
+                <a:cs typeface="+mn-cs"/>
+              </a:rPr>
+              <a:t>.</a:t>
+            </a:r>
+            <a:endParaRPr lang="en-IN" sz="1400" dirty="0">
+              <a:effectLst/>
+            </a:endParaRPr>
+          </a:p>
+          <a:p>
+            <a:endParaRPr lang="en-US" sz="1400" dirty="0">
+              <a:solidFill>
+                <a:srgbClr val="040C28"/>
+              </a:solidFill>
+              <a:latin typeface="Google Sans"/>
+              <a:cs typeface="Arial" panose="020B0604020202020204" pitchFamily="34" charset="0"/>
+            </a:endParaRPr>
+          </a:p>
+          <a:p>
+            <a:r>
+              <a:rPr lang="en-US" sz="1400" b="1" dirty="0">
+                <a:latin typeface="Google Sans"/>
+                <a:cs typeface="Arial" panose="020B0604020202020204" pitchFamily="34" charset="0"/>
+              </a:rPr>
+              <a:t>Que 29: </a:t>
+            </a:r>
+            <a:r>
+              <a:rPr lang="en-US" sz="1400" dirty="0">
+                <a:latin typeface="Google Sans"/>
+                <a:cs typeface="Arial" panose="020B0604020202020204" pitchFamily="34" charset="0"/>
+              </a:rPr>
+              <a:t>How  many types of hooks in react js?</a:t>
+            </a:r>
+          </a:p>
+          <a:p>
+            <a:r>
+              <a:rPr lang="en-US" sz="1400" b="1" dirty="0">
+                <a:latin typeface="Google Sans"/>
+                <a:cs typeface="Arial" panose="020B0604020202020204" pitchFamily="34" charset="0"/>
+              </a:rPr>
+              <a:t>Ans:  </a:t>
+            </a:r>
+            <a:r>
+              <a:rPr lang="en-US" sz="1400" dirty="0">
+                <a:latin typeface="Google Sans"/>
+                <a:cs typeface="Arial" panose="020B0604020202020204" pitchFamily="34" charset="0"/>
+              </a:rPr>
+              <a:t>In react version 18 provide 15 types of hooks.</a:t>
+            </a:r>
+          </a:p>
+          <a:p>
+            <a:endParaRPr lang="en-US" sz="1400" dirty="0">
+              <a:latin typeface="Google Sans"/>
+              <a:cs typeface="Arial" panose="020B0604020202020204" pitchFamily="34" charset="0"/>
+            </a:endParaRPr>
+          </a:p>
+          <a:p>
+            <a:r>
+              <a:rPr lang="en-US" sz="1400" b="1" dirty="0">
+                <a:latin typeface="Google Sans"/>
+                <a:cs typeface="Arial" panose="020B0604020202020204" pitchFamily="34" charset="0"/>
+              </a:rPr>
+              <a:t>Que 30:</a:t>
+            </a:r>
+            <a:r>
+              <a:rPr lang="en-US" sz="1400" dirty="0">
+                <a:latin typeface="Google Sans"/>
+                <a:cs typeface="Arial" panose="020B0604020202020204" pitchFamily="34" charset="0"/>
+              </a:rPr>
+              <a:t> Will a hook be used in a class component?</a:t>
+            </a:r>
+          </a:p>
+          <a:p>
+            <a:r>
+              <a:rPr lang="en-US" sz="1400" b="1" dirty="0">
+                <a:latin typeface="Google Sans"/>
+                <a:cs typeface="Arial" panose="020B0604020202020204" pitchFamily="34" charset="0"/>
+              </a:rPr>
+              <a:t>Ans: </a:t>
+            </a:r>
+            <a:r>
+              <a:rPr lang="en-US" sz="1400" dirty="0">
+                <a:solidFill>
+                  <a:srgbClr val="040C28"/>
+                </a:solidFill>
+                <a:latin typeface="Google Sans"/>
+                <a:cs typeface="Arial" panose="020B0604020202020204" pitchFamily="34" charset="0"/>
+              </a:rPr>
+              <a:t>No, not possible.</a:t>
+            </a:r>
+          </a:p>
+          <a:p>
+            <a:endParaRPr lang="en-US" sz="1400" b="1" dirty="0">
+              <a:solidFill>
+                <a:srgbClr val="040C28"/>
+              </a:solidFill>
+              <a:latin typeface="Google Sans"/>
+              <a:cs typeface="Arial" panose="020B0604020202020204" pitchFamily="34" charset="0"/>
+            </a:endParaRPr>
+          </a:p>
+          <a:p>
+            <a:r>
+              <a:rPr lang="en-US" sz="1400" b="1" dirty="0">
+                <a:latin typeface="Google Sans"/>
+                <a:cs typeface="Arial" panose="020B0604020202020204" pitchFamily="34" charset="0"/>
+              </a:rPr>
+              <a:t>Que 31:</a:t>
+            </a:r>
+            <a:r>
+              <a:rPr lang="en-US" sz="1400" dirty="0">
+                <a:latin typeface="Google Sans"/>
+                <a:cs typeface="Arial" panose="020B0604020202020204" pitchFamily="34" charset="0"/>
+              </a:rPr>
+              <a:t> What is useEffect hook?</a:t>
+            </a:r>
+          </a:p>
+          <a:p>
+            <a:r>
+              <a:rPr lang="en-US" sz="1400" b="1" dirty="0">
+                <a:latin typeface="Google Sans"/>
+                <a:cs typeface="Arial" panose="020B0604020202020204" pitchFamily="34" charset="0"/>
+              </a:rPr>
+              <a:t>Ans: </a:t>
+            </a:r>
+            <a:r>
+              <a:rPr lang="en-US" sz="1400" b="0" i="0" dirty="0">
+                <a:solidFill>
+                  <a:srgbClr val="202124"/>
+                </a:solidFill>
+                <a:effectLst/>
+                <a:latin typeface="Google Sans"/>
+              </a:rPr>
+              <a:t>The useEffect hook in React is </a:t>
+            </a:r>
+            <a:r>
+              <a:rPr lang="en-US" sz="1400" b="0" i="0" dirty="0">
+                <a:solidFill>
+                  <a:srgbClr val="040C28"/>
+                </a:solidFill>
+                <a:effectLst/>
+                <a:latin typeface="Google Sans"/>
+              </a:rPr>
+              <a:t>used to handle the side effects in React such as fetching data, and updating DOM</a:t>
+            </a:r>
+            <a:r>
+              <a:rPr lang="en-US" sz="1400" dirty="0">
+                <a:solidFill>
+                  <a:srgbClr val="040C28"/>
+                </a:solidFill>
+                <a:latin typeface="Google Sans"/>
+                <a:cs typeface="Arial" panose="020B0604020202020204" pitchFamily="34" charset="0"/>
+              </a:rPr>
+              <a:t>.</a:t>
+            </a:r>
+            <a:endParaRPr lang="en-IN" sz="1400" b="1" dirty="0">
+              <a:latin typeface="Google Sans"/>
+              <a:cs typeface="Arial" panose="020B0604020202020204" pitchFamily="34" charset="0"/>
+            </a:endParaRPr>
+          </a:p>
+          <a:p>
+            <a:r>
+              <a:rPr lang="en-IN" sz="1400" dirty="0">
+                <a:latin typeface="Google Sans"/>
+                <a:cs typeface="Arial" panose="020B0604020202020204" pitchFamily="34" charset="0"/>
+              </a:rPr>
+              <a:t>.</a:t>
+            </a:r>
+          </a:p>
+          <a:p>
+            <a:r>
+              <a:rPr lang="en-US" sz="1400" b="1" dirty="0">
+                <a:latin typeface="Google Sans"/>
+                <a:cs typeface="Arial" panose="020B0604020202020204" pitchFamily="34" charset="0"/>
+              </a:rPr>
+              <a:t>Que 32:</a:t>
+            </a:r>
+            <a:r>
+              <a:rPr lang="en-US" sz="1400" dirty="0">
+                <a:latin typeface="Google Sans"/>
+                <a:cs typeface="Arial" panose="020B0604020202020204" pitchFamily="34" charset="0"/>
+              </a:rPr>
+              <a:t> Why in loop we are used map function instead of for loop?</a:t>
+            </a:r>
+          </a:p>
+          <a:p>
+            <a:r>
+              <a:rPr lang="en-US" sz="1400" b="1" dirty="0">
+                <a:latin typeface="Google Sans"/>
+                <a:cs typeface="Arial" panose="020B0604020202020204" pitchFamily="34" charset="0"/>
+              </a:rPr>
+              <a:t>Ans: </a:t>
+            </a:r>
+            <a:r>
+              <a:rPr lang="en-US" sz="1400" b="0" i="0" dirty="0">
+                <a:solidFill>
+                  <a:srgbClr val="4D5156"/>
+                </a:solidFill>
+                <a:effectLst/>
+                <a:latin typeface="Google Sans"/>
+              </a:rPr>
+              <a:t> </a:t>
+            </a:r>
+            <a:r>
+              <a:rPr lang="en-US" sz="1400" b="0" i="0" dirty="0">
+                <a:effectLst/>
+                <a:latin typeface="Google Sans"/>
+              </a:rPr>
+              <a:t>Because in return function map function is supportive but for loop dose not support in return function.</a:t>
+            </a:r>
+            <a:endParaRPr lang="en-IN" sz="1400" b="1" dirty="0">
+              <a:latin typeface="Google Sans"/>
+              <a:cs typeface="Arial" panose="020B0604020202020204" pitchFamily="34" charset="0"/>
+            </a:endParaRPr>
+          </a:p>
+          <a:p>
+            <a:endParaRPr lang="en-IN" sz="1400" b="1" dirty="0">
+              <a:latin typeface="Google Sans"/>
+              <a:cs typeface="Arial" panose="020B0604020202020204" pitchFamily="34" charset="0"/>
+            </a:endParaRPr>
+          </a:p>
+          <a:p>
+            <a:r>
+              <a:rPr lang="en-US" sz="1400" b="1" dirty="0">
+                <a:latin typeface="Google Sans"/>
+                <a:cs typeface="Arial" panose="020B0604020202020204" pitchFamily="34" charset="0"/>
+              </a:rPr>
+              <a:t>Que 33:</a:t>
+            </a:r>
+            <a:r>
+              <a:rPr lang="en-US" sz="1400" dirty="0">
+                <a:latin typeface="Google Sans"/>
+                <a:cs typeface="Arial" panose="020B0604020202020204" pitchFamily="34" charset="0"/>
+              </a:rPr>
+              <a:t> What is react fragment?</a:t>
+            </a:r>
+          </a:p>
+          <a:p>
+            <a:r>
+              <a:rPr lang="en-US" sz="1400" b="1" dirty="0">
+                <a:latin typeface="Google Sans"/>
+                <a:cs typeface="Arial" panose="020B0604020202020204" pitchFamily="34" charset="0"/>
+              </a:rPr>
+              <a:t>Ans: </a:t>
+            </a:r>
+            <a:r>
+              <a:rPr lang="en-US" sz="1400" b="0" i="0" dirty="0">
+                <a:solidFill>
+                  <a:srgbClr val="202124"/>
+                </a:solidFill>
+                <a:effectLst/>
+                <a:latin typeface="Google Sans"/>
+              </a:rPr>
+              <a:t>React Fragment is </a:t>
+            </a:r>
+            <a:r>
+              <a:rPr lang="en-US" sz="1400" b="0" i="0" dirty="0">
+                <a:solidFill>
+                  <a:srgbClr val="040C28"/>
+                </a:solidFill>
+                <a:effectLst/>
+                <a:latin typeface="Google Sans"/>
+              </a:rPr>
+              <a:t>a feature in React that allows you to return multiple elements from a React component by allowing you to group a list of children without adding extra nodes to the DOM. React fragment means</a:t>
+            </a:r>
+            <a:r>
+              <a:rPr lang="en-US" sz="1400" dirty="0">
+                <a:solidFill>
+                  <a:srgbClr val="040C28"/>
+                </a:solidFill>
+                <a:latin typeface="Google Sans"/>
+              </a:rPr>
+              <a:t> (&lt;&gt;&lt;/&gt;) empty tag</a:t>
+            </a:r>
+            <a:endParaRPr lang="en-IN" sz="1600" b="1" dirty="0">
+              <a:latin typeface="Google Sans"/>
+              <a:cs typeface="Arial" panose="020B0604020202020204" pitchFamily="34" charset="0"/>
+            </a:endParaRPr>
+          </a:p>
+          <a:p>
+            <a:endParaRPr lang="en-IN" sz="1400" b="1" dirty="0">
+              <a:latin typeface="Google Sans"/>
+              <a:cs typeface="Arial" panose="020B0604020202020204" pitchFamily="34" charset="0"/>
+            </a:endParaRPr>
+          </a:p>
+          <a:p>
+            <a:r>
+              <a:rPr lang="en-US" sz="1400" b="1" dirty="0">
+                <a:latin typeface="Google Sans"/>
+                <a:cs typeface="Arial" panose="020B0604020202020204" pitchFamily="34" charset="0"/>
+              </a:rPr>
+              <a:t>Que 34:</a:t>
+            </a:r>
+            <a:r>
+              <a:rPr lang="en-US" sz="1400" dirty="0">
+                <a:latin typeface="Google Sans"/>
+                <a:cs typeface="Arial" panose="020B0604020202020204" pitchFamily="34" charset="0"/>
+              </a:rPr>
+              <a:t> What is pure component in react?</a:t>
+            </a:r>
+          </a:p>
+          <a:p>
+            <a:r>
+              <a:rPr lang="en-US" sz="1400" b="1" dirty="0">
+                <a:latin typeface="Google Sans"/>
+                <a:cs typeface="Arial" panose="020B0604020202020204" pitchFamily="34" charset="0"/>
+              </a:rPr>
+              <a:t>Ans: </a:t>
+            </a:r>
+            <a:r>
+              <a:rPr lang="en-US" sz="1400" b="0" i="0" dirty="0">
+                <a:solidFill>
+                  <a:srgbClr val="202124"/>
+                </a:solidFill>
+                <a:effectLst/>
+                <a:latin typeface="Google Sans"/>
+              </a:rPr>
+              <a:t>A React component is considered pure </a:t>
+            </a:r>
+            <a:r>
+              <a:rPr lang="en-US" sz="1400" b="0" i="0" dirty="0">
+                <a:solidFill>
+                  <a:srgbClr val="040C28"/>
+                </a:solidFill>
+                <a:effectLst/>
+                <a:latin typeface="Google Sans"/>
+              </a:rPr>
+              <a:t>if it renders the same output for the same state and props then stop the components rendering.</a:t>
+            </a:r>
+            <a:endParaRPr lang="en-IN" sz="1400" b="1" dirty="0">
+              <a:latin typeface="Google Sans"/>
+              <a:cs typeface="Arial" panose="020B0604020202020204" pitchFamily="34" charset="0"/>
+            </a:endParaRPr>
+          </a:p>
+          <a:p>
+            <a:endParaRPr lang="en-IN" sz="1400" b="1" dirty="0">
+              <a:latin typeface="Google Sans"/>
+              <a:cs typeface="Arial" panose="020B0604020202020204" pitchFamily="34" charset="0"/>
+            </a:endParaRPr>
+          </a:p>
+          <a:p>
+            <a:r>
+              <a:rPr lang="en-US" sz="1400" b="1" dirty="0">
+                <a:latin typeface="Google Sans"/>
+                <a:cs typeface="Arial" panose="020B0604020202020204" pitchFamily="34" charset="0"/>
+              </a:rPr>
+              <a:t>Que 35:</a:t>
+            </a:r>
+            <a:r>
+              <a:rPr lang="en-US" sz="1400" dirty="0">
+                <a:latin typeface="Google Sans"/>
+                <a:cs typeface="Arial" panose="020B0604020202020204" pitchFamily="34" charset="0"/>
+              </a:rPr>
+              <a:t> Why use useMemo hooks?</a:t>
+            </a:r>
+          </a:p>
+          <a:p>
+            <a:r>
+              <a:rPr lang="en-US" sz="1400" b="1" dirty="0">
+                <a:latin typeface="Google Sans"/>
+                <a:cs typeface="Arial" panose="020B0604020202020204" pitchFamily="34" charset="0"/>
+              </a:rPr>
+              <a:t>Ans: </a:t>
+            </a:r>
+            <a:r>
+              <a:rPr lang="en-US" sz="1400" b="0" i="0" dirty="0">
+                <a:solidFill>
+                  <a:srgbClr val="202124"/>
+                </a:solidFill>
+                <a:effectLst/>
+                <a:latin typeface="Google Sans"/>
+              </a:rPr>
+              <a:t>The React useMemo Hook </a:t>
+            </a:r>
+            <a:r>
+              <a:rPr lang="en-US" sz="1400" b="0" i="0" dirty="0">
+                <a:solidFill>
+                  <a:srgbClr val="040C28"/>
+                </a:solidFill>
+                <a:effectLst/>
+                <a:latin typeface="Google Sans"/>
+              </a:rPr>
+              <a:t>returns a memorized value</a:t>
+            </a:r>
+            <a:r>
+              <a:rPr lang="en-US" sz="1400" b="0" i="0" dirty="0">
+                <a:solidFill>
+                  <a:srgbClr val="202124"/>
+                </a:solidFill>
+                <a:effectLst/>
+                <a:latin typeface="Google Sans"/>
+              </a:rPr>
+              <a:t>. Think of memorization as caching a value so that it does not need to be recalculated. The useMemo Hook only runs when one of its dependencies update. This can improve performance..</a:t>
+            </a:r>
+            <a:endParaRPr lang="en-IN" sz="1600" b="1" dirty="0">
+              <a:latin typeface="Google Sans"/>
+              <a:cs typeface="Arial" panose="020B0604020202020204" pitchFamily="34" charset="0"/>
+            </a:endParaRPr>
+          </a:p>
+          <a:p>
+            <a:endParaRPr lang="en-IN" sz="1400" b="1" dirty="0">
+              <a:latin typeface="Google Sans"/>
+              <a:cs typeface="Arial" panose="020B0604020202020204" pitchFamily="34" charset="0"/>
+            </a:endParaRPr>
+          </a:p>
+          <a:p>
+            <a:r>
+              <a:rPr lang="en-US" sz="1400" b="1" dirty="0">
+                <a:latin typeface="Google Sans"/>
+                <a:cs typeface="Arial" panose="020B0604020202020204" pitchFamily="34" charset="0"/>
+              </a:rPr>
+              <a:t>Que 36:</a:t>
+            </a:r>
+            <a:r>
+              <a:rPr lang="en-US" sz="1400" dirty="0">
+                <a:latin typeface="Google Sans"/>
+                <a:cs typeface="Arial" panose="020B0604020202020204" pitchFamily="34" charset="0"/>
+              </a:rPr>
+              <a:t> What is useRef hook in react?</a:t>
+            </a:r>
+          </a:p>
+          <a:p>
+            <a:r>
+              <a:rPr lang="en-US" sz="1400" b="1" dirty="0">
+                <a:latin typeface="Google Sans"/>
+                <a:cs typeface="Arial" panose="020B0604020202020204" pitchFamily="34" charset="0"/>
+              </a:rPr>
+              <a:t>Ans: </a:t>
+            </a:r>
+            <a:r>
+              <a:rPr lang="en-US" sz="1400" b="0" i="0" dirty="0">
+                <a:solidFill>
+                  <a:srgbClr val="202124"/>
+                </a:solidFill>
+                <a:effectLst/>
+                <a:latin typeface="Google Sans"/>
+              </a:rPr>
+              <a:t>Use of the useRef </a:t>
+            </a:r>
+            <a:r>
+              <a:rPr lang="en-US" sz="1400" dirty="0">
+                <a:solidFill>
+                  <a:srgbClr val="202124"/>
+                </a:solidFill>
+                <a:latin typeface="Google Sans"/>
+              </a:rPr>
+              <a:t>hook is to access DOM element directly</a:t>
+            </a:r>
+            <a:r>
+              <a:rPr lang="en-US" sz="1400" b="0" i="0" dirty="0">
+                <a:solidFill>
+                  <a:srgbClr val="202124"/>
+                </a:solidFill>
+                <a:effectLst/>
+                <a:latin typeface="Google Sans"/>
+              </a:rPr>
+              <a:t> .</a:t>
+            </a:r>
+            <a:endParaRPr lang="en-IN" sz="1400" b="1" dirty="0">
+              <a:latin typeface="Arial" panose="020B0604020202020204" pitchFamily="34" charset="0"/>
+              <a:cs typeface="Arial" panose="020B0604020202020204" pitchFamily="34" charset="0"/>
+            </a:endParaRPr>
+          </a:p>
+          <a:p>
+            <a:endParaRPr lang="en-IN" sz="1600" b="1" dirty="0">
+              <a:latin typeface="Arial" panose="020B0604020202020204" pitchFamily="34" charset="0"/>
+              <a:cs typeface="Arial" panose="020B0604020202020204" pitchFamily="34" charset="0"/>
+            </a:endParaRPr>
+          </a:p>
+          <a:p>
+            <a:endParaRPr lang="en-IN" sz="1400" b="1" dirty="0">
+              <a:latin typeface="Arial" panose="020B0604020202020204" pitchFamily="34" charset="0"/>
+              <a:cs typeface="Arial" panose="020B0604020202020204" pitchFamily="34" charset="0"/>
+            </a:endParaRPr>
+          </a:p>
+          <a:p>
+            <a:endParaRPr lang="en-IN" sz="1400" b="1" dirty="0">
+              <a:latin typeface="Arial" panose="020B0604020202020204" pitchFamily="34" charset="0"/>
+              <a:cs typeface="Arial" panose="020B0604020202020204" pitchFamily="34" charset="0"/>
+            </a:endParaRPr>
+          </a:p>
+          <a:p>
+            <a:endParaRPr lang="en-IN" sz="1600" b="1" dirty="0">
+              <a:latin typeface="Arial" panose="020B0604020202020204" pitchFamily="34" charset="0"/>
+              <a:cs typeface="Arial" panose="020B0604020202020204" pitchFamily="34" charset="0"/>
+            </a:endParaRPr>
+          </a:p>
+          <a:p>
+            <a:endParaRPr lang="en-IN" sz="1600" dirty="0">
+              <a:latin typeface="Arial" panose="020B0604020202020204" pitchFamily="34" charset="0"/>
+              <a:cs typeface="Arial" panose="020B0604020202020204" pitchFamily="34" charset="0"/>
+            </a:endParaRPr>
+          </a:p>
+        </p:txBody>
+      </p:sp>
+    </p:spTree>
+    <p:extLst>
+      <p:ext uri="{BB962C8B-B14F-4D97-AF65-F5344CB8AC3E}">
+        <p14:creationId xmlns:p14="http://schemas.microsoft.com/office/powerpoint/2010/main" val="3353614732"/>
       </p:ext>
     </p:extLst>
   </p:cSld>
